--- a/03_Algorithmique/ALGO2_PPT.pptx
+++ b/03_Algorithmique/ALGO2_PPT.pptx
@@ -5,15 +5,16 @@
     <p:sldMasterId id="2147484582" r:id="rId1"/>
   </p:sldMasterIdLst>
   <p:notesMasterIdLst>
-    <p:notesMasterId r:id="rId5"/>
+    <p:notesMasterId r:id="rId6"/>
   </p:notesMasterIdLst>
   <p:handoutMasterIdLst>
-    <p:handoutMasterId r:id="rId6"/>
+    <p:handoutMasterId r:id="rId7"/>
   </p:handoutMasterIdLst>
   <p:sldIdLst>
     <p:sldId id="256" r:id="rId2"/>
     <p:sldId id="260" r:id="rId3"/>
-    <p:sldId id="259" r:id="rId4"/>
+    <p:sldId id="262" r:id="rId4"/>
+    <p:sldId id="259" r:id="rId5"/>
   </p:sldIdLst>
   <p:sldSz cx="9144000" cy="6858000" type="screen4x3"/>
   <p:notesSz cx="6858000" cy="9144000"/>
@@ -197,7 +198,8 @@
           <a:p>
             <a:fld id="{A2604479-CBC5-3546-8A0D-DC7D3BA30544}" type="datetimeFigureOut">
               <a:rPr lang="fr-FR" smtClean="0"/>
-              <a:t>01/12/2014</a:t>
+              <a:pPr/>
+              <a:t>06/12/2014</a:t>
             </a:fld>
             <a:endParaRPr lang="fr-FR"/>
           </a:p>
@@ -263,6 +265,7 @@
           <a:p>
             <a:fld id="{F34030A3-A5D3-C641-8CA3-9440A0A1CBC5}" type="slidenum">
               <a:rPr lang="fr-FR" smtClean="0"/>
+              <a:pPr/>
               <a:t>‹N°›</a:t>
             </a:fld>
             <a:endParaRPr lang="fr-FR"/>
@@ -272,7 +275,7 @@
     </p:spTree>
     <p:extLst>
       <p:ext uri="{BB962C8B-B14F-4D97-AF65-F5344CB8AC3E}">
-        <p14:creationId xmlns:p14="http://schemas.microsoft.com/office/powerpoint/2010/main" val="3414476341"/>
+        <p14:creationId xmlns:p14="http://schemas.microsoft.com/office/powerpoint/2010/main" xmlns="" val="3414476341"/>
       </p:ext>
     </p:extLst>
   </p:cSld>
@@ -363,7 +366,8 @@
           <a:p>
             <a:fld id="{7F4FFA02-BD9A-5445-8E51-E6D5A4E1DD4B}" type="datetimeFigureOut">
               <a:rPr lang="fr-FR" smtClean="0"/>
-              <a:t>01/12/2014</a:t>
+              <a:pPr/>
+              <a:t>06/12/2014</a:t>
             </a:fld>
             <a:endParaRPr lang="fr-FR"/>
           </a:p>
@@ -522,6 +526,7 @@
           <a:p>
             <a:fld id="{D69D4C5C-07DB-4146-8BDE-61540ADB1C9B}" type="slidenum">
               <a:rPr lang="fr-FR" smtClean="0"/>
+              <a:pPr/>
               <a:t>‹N°›</a:t>
             </a:fld>
             <a:endParaRPr lang="fr-FR"/>
@@ -531,7 +536,7 @@
     </p:spTree>
     <p:extLst>
       <p:ext uri="{BB962C8B-B14F-4D97-AF65-F5344CB8AC3E}">
-        <p14:creationId xmlns:p14="http://schemas.microsoft.com/office/powerpoint/2010/main" val="401334093"/>
+        <p14:creationId xmlns:p14="http://schemas.microsoft.com/office/powerpoint/2010/main" xmlns="" val="401334093"/>
       </p:ext>
     </p:extLst>
   </p:cSld>
@@ -678,37 +683,66 @@
           <a:p>
             <a:r>
               <a:rPr lang="fr-FR" baseline="0" dirty="0" smtClean="0"/>
-              <a:t>L’objectif de cette formation est d’apprendre est de manipuler des structures de données évoluées. </a:t>
-            </a:r>
-          </a:p>
-          <a:p>
+              <a:t>L’objectif de cette formation est d’apprendre </a:t>
+            </a:r>
             <a:r>
               <a:rPr lang="fr-FR" baseline="0" dirty="0" smtClean="0"/>
-              <a:t>Elle s’adresse en particulier aux enseignants d’ISN </a:t>
+              <a:t>à manipuler </a:t>
             </a:r>
             <a:r>
               <a:rPr lang="fr-FR" baseline="0" dirty="0" smtClean="0"/>
-              <a:t>ou </a:t>
-            </a:r>
+              <a:t>des structures de données évoluées. </a:t>
+            </a:r>
+          </a:p>
+          <a:p>
             <a:r>
               <a:rPr lang="fr-FR" baseline="0" dirty="0" smtClean="0"/>
-              <a:t>de CPGE.</a:t>
-            </a:r>
+              <a:t>Elle s’adresse en particulier aux enseignants d’ISN ou de CPGE.</a:t>
+            </a:r>
+          </a:p>
+          <a:p>
             <a:endParaRPr lang="fr-FR" baseline="0" dirty="0" smtClean="0"/>
           </a:p>
           <a:p>
+            <a:r>
+              <a:rPr lang="fr-FR" baseline="0" dirty="0" smtClean="0"/>
+              <a:t>Cette formation met l’accent </a:t>
+            </a:r>
+            <a:r>
+              <a:rPr lang="fr-FR" baseline="0" dirty="0" smtClean="0"/>
+              <a:t>sur l’implémentation :</a:t>
+            </a:r>
+          </a:p>
+          <a:p>
+            <a:pPr>
+              <a:buFontTx/>
+              <a:buChar char="-"/>
+            </a:pPr>
+            <a:r>
+              <a:rPr lang="fr-FR" baseline="0" dirty="0" smtClean="0"/>
+              <a:t> des listes : tableaux et listes chaînées (arbre 1-aire)</a:t>
+            </a:r>
+          </a:p>
+          <a:p>
+            <a:pPr>
+              <a:buFontTx/>
+              <a:buChar char="-"/>
+            </a:pPr>
+            <a:r>
+              <a:rPr lang="fr-FR" baseline="0" dirty="0" smtClean="0"/>
+              <a:t> des arbres (n-aires et binaires).</a:t>
+            </a:r>
+          </a:p>
+          <a:p>
+            <a:r>
+              <a:rPr lang="fr-FR" baseline="0" dirty="0" smtClean="0"/>
+              <a:t>L’étude de ces deux structures de données sera abordée au travers d’exemples d’application.</a:t>
+            </a:r>
             <a:endParaRPr lang="fr-FR" baseline="0" dirty="0" smtClean="0"/>
           </a:p>
           <a:p>
-            <a:r>
-              <a:rPr lang="fr-FR" baseline="0" dirty="0" smtClean="0"/>
-              <a:t>Cette formation met l’accent sur l’utilisation des listes. </a:t>
-            </a:r>
             <a:endParaRPr lang="fr-FR" baseline="0" dirty="0" smtClean="0"/>
           </a:p>
-          <a:p>
-            <a:endParaRPr lang="fr-FR" baseline="0" dirty="0" smtClean="0"/>
-          </a:p>
         </p:txBody>
       </p:sp>
       <p:sp>
@@ -728,6 +762,7 @@
           <a:p>
             <a:fld id="{D69D4C5C-07DB-4146-8BDE-61540ADB1C9B}" type="slidenum">
               <a:rPr lang="fr-FR" smtClean="0"/>
+              <a:pPr/>
               <a:t>1</a:t>
             </a:fld>
             <a:endParaRPr lang="fr-FR"/>
@@ -737,7 +772,7 @@
     </p:spTree>
     <p:extLst>
       <p:ext uri="{BB962C8B-B14F-4D97-AF65-F5344CB8AC3E}">
-        <p14:creationId xmlns:p14="http://schemas.microsoft.com/office/powerpoint/2010/main" val="2560094274"/>
+        <p14:creationId xmlns:p14="http://schemas.microsoft.com/office/powerpoint/2010/main" xmlns="" val="2560094274"/>
       </p:ext>
     </p:extLst>
   </p:cSld>
@@ -808,14 +843,35 @@
               <a:rPr lang="fr-FR" baseline="0" dirty="0" smtClean="0"/>
               <a:t>Elles sont par exemple utilisées pour réaliser du tri de données dans les bases de données. </a:t>
             </a:r>
-          </a:p>
-          <a:p>
+            <a:r>
+              <a:rPr lang="fr-FR" baseline="0" dirty="0" smtClean="0"/>
+              <a:t>Cela facilite les recherche ultérieures dans une collection de données.</a:t>
+            </a:r>
             <a:endParaRPr lang="fr-FR" baseline="0" dirty="0" smtClean="0"/>
           </a:p>
           <a:p>
+            <a:endParaRPr lang="fr-FR" baseline="0" dirty="0" smtClean="0"/>
+          </a:p>
+          <a:p>
             <a:r>
               <a:rPr lang="fr-FR" baseline="0" dirty="0" smtClean="0"/>
-              <a:t>Les listes sont utilisées pour gérer des piles de données. L’historique de navigation d’un navigateur constitue une pile LIFO (Last In First Out) où les dernières pages visitées sont stockées puis restituées suivant les besoins de l’utilisateur. </a:t>
+              <a:t>Les listes </a:t>
+            </a:r>
+            <a:r>
+              <a:rPr lang="fr-FR" baseline="0" dirty="0" smtClean="0"/>
+              <a:t>sont aussi utilisées </a:t>
+            </a:r>
+            <a:r>
+              <a:rPr lang="fr-FR" baseline="0" dirty="0" smtClean="0"/>
+              <a:t>pour gérer </a:t>
+            </a:r>
+            <a:r>
+              <a:rPr lang="fr-FR" baseline="0" dirty="0" smtClean="0"/>
+              <a:t>des flux de données : ce sont alors des piles ou des files. L’historique </a:t>
+            </a:r>
+            <a:r>
+              <a:rPr lang="fr-FR" baseline="0" dirty="0" smtClean="0"/>
+              <a:t>de navigation d’un navigateur constitue une pile LIFO (Last In First Out) où les dernières pages visitées sont stockées puis restituées suivant les besoins de l’utilisateur. </a:t>
             </a:r>
           </a:p>
           <a:p>
@@ -824,24 +880,19 @@
           <a:p>
             <a:r>
               <a:rPr lang="fr-FR" baseline="0" dirty="0" smtClean="0"/>
-              <a:t>Un autre cas d’utilisation des listes et le stockage des graphes. Un stockage structuré des informations lié à des algorithmes adéquates peuvent permettre de résoudre efficacement des algorithmes de plus court chemin, ou de réaliser de la compression de données. </a:t>
-            </a:r>
-          </a:p>
-          <a:p>
-            <a:endParaRPr lang="fr-FR" baseline="0" dirty="0" smtClean="0"/>
-          </a:p>
-          <a:p>
+              <a:t>Le nombre de données à traiter pouvant être très important (plusieurs milliers, centaines de millier,  voire plus …) , </a:t>
+            </a:r>
             <a:r>
               <a:rPr lang="fr-FR" baseline="0" dirty="0" smtClean="0"/>
-              <a:t>Ces algorithmes pouvant être relativement évolués, on s’interrogera sur la complexité algorithmique des </a:t>
-            </a:r>
-            <a:r>
-              <a:rPr lang="fr-FR" baseline="0" dirty="0" err="1" smtClean="0"/>
-              <a:t>algo</a:t>
+              <a:t>on s’interrogera sur la complexité algorithmique des </a:t>
             </a:r>
             <a:r>
               <a:rPr lang="fr-FR" baseline="0" dirty="0" smtClean="0"/>
-              <a:t> proposés. </a:t>
+              <a:t>algorithmes </a:t>
+            </a:r>
+            <a:r>
+              <a:rPr lang="fr-FR" baseline="0" dirty="0" smtClean="0"/>
+              <a:t>proposés. </a:t>
             </a:r>
           </a:p>
         </p:txBody>
@@ -863,6 +914,7 @@
           <a:p>
             <a:fld id="{D69D4C5C-07DB-4146-8BDE-61540ADB1C9B}" type="slidenum">
               <a:rPr lang="fr-FR" smtClean="0"/>
+              <a:pPr/>
               <a:t>2</a:t>
             </a:fld>
             <a:endParaRPr lang="fr-FR"/>
@@ -872,7 +924,7 @@
     </p:spTree>
     <p:extLst>
       <p:ext uri="{BB962C8B-B14F-4D97-AF65-F5344CB8AC3E}">
-        <p14:creationId xmlns:p14="http://schemas.microsoft.com/office/powerpoint/2010/main" val="2213235338"/>
+        <p14:creationId xmlns:p14="http://schemas.microsoft.com/office/powerpoint/2010/main" xmlns="" val="2213235338"/>
       </p:ext>
     </p:extLst>
   </p:cSld>
@@ -923,57 +975,56 @@
         </p:nvSpPr>
         <p:spPr/>
         <p:txBody>
+          <a:bodyPr>
+            <a:normAutofit/>
+          </a:bodyPr>
+          <a:lstStyle/>
+          <a:p>
+            <a:r>
+              <a:rPr lang="fr-FR" dirty="0" smtClean="0"/>
+              <a:t>La</a:t>
+            </a:r>
+            <a:r>
+              <a:rPr lang="fr-FR" baseline="0" dirty="0" smtClean="0"/>
+              <a:t> structure de données de type arbre n-aire est une extension de celle de type liste chaînée où chaque nœud n’est relié qu’à un seul « fils » ou « père » : c’est un arbre 1-aire.</a:t>
+            </a:r>
+          </a:p>
+          <a:p>
+            <a:endParaRPr lang="fr-FR" baseline="0" dirty="0" smtClean="0"/>
+          </a:p>
+          <a:p>
+            <a:r>
+              <a:rPr lang="fr-FR" baseline="0" dirty="0" smtClean="0"/>
+              <a:t>Utilisée à bon escient, cette structure permet d’utiliser des algorithmes de parcours de graphes, en profondeur ou en largeur, afin de résoudre des problématiques diverses : recherche dans une collection de données, recherche de plus court chemin, compression de données, etc.</a:t>
+            </a:r>
+          </a:p>
+          <a:p>
+            <a:r>
+              <a:rPr lang="fr-FR" baseline="0" dirty="0" smtClean="0"/>
+              <a:t> </a:t>
+            </a:r>
+            <a:endParaRPr lang="fr-FR" dirty="0"/>
+          </a:p>
+        </p:txBody>
+      </p:sp>
+      <p:sp>
+        <p:nvSpPr>
+          <p:cNvPr id="4" name="Espace réservé du numéro de diapositive 3"/>
+          <p:cNvSpPr>
+            <a:spLocks noGrp="1"/>
+          </p:cNvSpPr>
+          <p:nvPr>
+            <p:ph type="sldNum" sz="quarter" idx="10"/>
+          </p:nvPr>
+        </p:nvSpPr>
+        <p:spPr/>
+        <p:txBody>
           <a:bodyPr/>
           <a:lstStyle/>
           <a:p>
-            <a:r>
-              <a:rPr lang="fr-FR" dirty="0" smtClean="0"/>
-              <a:t>Pour</a:t>
-            </a:r>
-            <a:r>
-              <a:rPr lang="fr-FR" baseline="0" dirty="0" smtClean="0"/>
-              <a:t> suivre cette formation, des connaissances en algorithmique sont nécessaires. Une connaissance de l’implémentation en Python est souhaitable. </a:t>
-            </a:r>
-          </a:p>
-          <a:p>
-            <a:endParaRPr lang="fr-FR" baseline="0" dirty="0" smtClean="0"/>
-          </a:p>
-          <a:p>
-            <a:r>
-              <a:rPr lang="fr-FR" dirty="0" smtClean="0"/>
-              <a:t>Des</a:t>
-            </a:r>
-            <a:r>
-              <a:rPr lang="fr-FR" baseline="0" dirty="0" smtClean="0"/>
-              <a:t> applications pédagogiques seront proposées. Suivant les besoins des participants, des applications particulières </a:t>
-            </a:r>
-            <a:r>
-              <a:rPr lang="fr-FR" baseline="0" smtClean="0"/>
-              <a:t>peuvent être réalisées. </a:t>
-            </a:r>
-          </a:p>
-          <a:p>
-            <a:endParaRPr lang="fr-FR" dirty="0"/>
-          </a:p>
-        </p:txBody>
-      </p:sp>
-      <p:sp>
-        <p:nvSpPr>
-          <p:cNvPr id="4" name="Espace réservé du numéro de diapositive 3"/>
-          <p:cNvSpPr>
-            <a:spLocks noGrp="1"/>
-          </p:cNvSpPr>
-          <p:nvPr>
-            <p:ph type="sldNum" sz="quarter" idx="10"/>
-          </p:nvPr>
-        </p:nvSpPr>
-        <p:spPr/>
-        <p:txBody>
-          <a:bodyPr/>
-          <a:lstStyle/>
-          <a:p>
             <a:fld id="{D69D4C5C-07DB-4146-8BDE-61540ADB1C9B}" type="slidenum">
               <a:rPr lang="fr-FR" smtClean="0"/>
+              <a:pPr/>
               <a:t>3</a:t>
             </a:fld>
             <a:endParaRPr lang="fr-FR"/>
@@ -981,9 +1032,128 @@
         </p:txBody>
       </p:sp>
     </p:spTree>
+  </p:cSld>
+  <p:clrMapOvr>
+    <a:masterClrMapping/>
+  </p:clrMapOvr>
+</p:notes>
+</file>
+
+<file path=ppt/notesSlides/notesSlide4.xml><?xml version="1.0" encoding="utf-8"?>
+<p:notes xmlns:a="http://schemas.openxmlformats.org/drawingml/2006/main" xmlns:r="http://schemas.openxmlformats.org/officeDocument/2006/relationships" xmlns:p="http://schemas.openxmlformats.org/presentationml/2006/main">
+  <p:cSld>
+    <p:spTree>
+      <p:nvGrpSpPr>
+        <p:cNvPr id="1" name=""/>
+        <p:cNvGrpSpPr/>
+        <p:nvPr/>
+      </p:nvGrpSpPr>
+      <p:grpSpPr>
+        <a:xfrm>
+          <a:off x="0" y="0"/>
+          <a:ext cx="0" cy="0"/>
+          <a:chOff x="0" y="0"/>
+          <a:chExt cx="0" cy="0"/>
+        </a:xfrm>
+      </p:grpSpPr>
+      <p:sp>
+        <p:nvSpPr>
+          <p:cNvPr id="2" name="Espace réservé de l'image des diapositives 1"/>
+          <p:cNvSpPr>
+            <a:spLocks noGrp="1" noRot="1" noChangeAspect="1"/>
+          </p:cNvSpPr>
+          <p:nvPr>
+            <p:ph type="sldImg"/>
+          </p:nvPr>
+        </p:nvSpPr>
+        <p:spPr/>
+      </p:sp>
+      <p:sp>
+        <p:nvSpPr>
+          <p:cNvPr id="3" name="Espace réservé des commentaires 2"/>
+          <p:cNvSpPr>
+            <a:spLocks noGrp="1"/>
+          </p:cNvSpPr>
+          <p:nvPr>
+            <p:ph type="body" idx="1"/>
+          </p:nvPr>
+        </p:nvSpPr>
+        <p:spPr/>
+        <p:txBody>
+          <a:bodyPr/>
+          <a:lstStyle/>
+          <a:p>
+            <a:r>
+              <a:rPr lang="fr-FR" dirty="0" smtClean="0"/>
+              <a:t>Pour</a:t>
+            </a:r>
+            <a:r>
+              <a:rPr lang="fr-FR" baseline="0" dirty="0" smtClean="0"/>
+              <a:t> suivre cette formation, des connaissances en algorithmique sont nécessaires. Une connaissance </a:t>
+            </a:r>
+            <a:r>
+              <a:rPr lang="fr-FR" baseline="0" dirty="0" smtClean="0"/>
+              <a:t>du langage </a:t>
+            </a:r>
+            <a:r>
+              <a:rPr lang="fr-FR" baseline="0" dirty="0" smtClean="0"/>
+              <a:t>Python est souhaitable. </a:t>
+            </a:r>
+          </a:p>
+          <a:p>
+            <a:endParaRPr lang="fr-FR" baseline="0" dirty="0" smtClean="0"/>
+          </a:p>
+          <a:p>
+            <a:r>
+              <a:rPr lang="fr-FR" dirty="0" smtClean="0"/>
+              <a:t>Des</a:t>
+            </a:r>
+            <a:r>
+              <a:rPr lang="fr-FR" baseline="0" dirty="0" smtClean="0"/>
+              <a:t> applications pédagogiques seront proposées. Suivant les besoins des participants, des applications particulières peuvent être </a:t>
+            </a:r>
+            <a:r>
+              <a:rPr lang="fr-FR" baseline="0" dirty="0" smtClean="0"/>
+              <a:t>traitées</a:t>
+            </a:r>
+            <a:r>
+              <a:rPr lang="fr-FR" baseline="0" dirty="0" smtClean="0"/>
+              <a:t>. </a:t>
+            </a:r>
+          </a:p>
+          <a:p>
+            <a:endParaRPr lang="fr-FR" dirty="0"/>
+          </a:p>
+        </p:txBody>
+      </p:sp>
+      <p:sp>
+        <p:nvSpPr>
+          <p:cNvPr id="4" name="Espace réservé du numéro de diapositive 3"/>
+          <p:cNvSpPr>
+            <a:spLocks noGrp="1"/>
+          </p:cNvSpPr>
+          <p:nvPr>
+            <p:ph type="sldNum" sz="quarter" idx="10"/>
+          </p:nvPr>
+        </p:nvSpPr>
+        <p:spPr/>
+        <p:txBody>
+          <a:bodyPr/>
+          <a:lstStyle/>
+          <a:p>
+            <a:fld id="{D69D4C5C-07DB-4146-8BDE-61540ADB1C9B}" type="slidenum">
+              <a:rPr lang="fr-FR" smtClean="0"/>
+              <a:pPr/>
+              <a:t>4</a:t>
+            </a:fld>
+            <a:endParaRPr lang="fr-FR"/>
+          </a:p>
+        </p:txBody>
+      </p:sp>
+    </p:spTree>
     <p:extLst>
       <p:ext uri="{BB962C8B-B14F-4D97-AF65-F5344CB8AC3E}">
-        <p14:creationId xmlns:p14="http://schemas.microsoft.com/office/powerpoint/2010/main" val="1495809067"/>
+        <p14:creationId xmlns:p14="http://schemas.microsoft.com/office/powerpoint/2010/main" xmlns="" val="1495809067"/>
       </p:ext>
     </p:extLst>
   </p:cSld>
@@ -1181,7 +1351,8 @@
           <a:p>
             <a:fld id="{6709E43B-9441-6341-BD63-84DDA1A9C3FB}" type="datetime1">
               <a:rPr lang="fr-FR" smtClean="0"/>
-              <a:t>01/12/2014</a:t>
+              <a:pPr/>
+              <a:t>06/12/2014</a:t>
             </a:fld>
             <a:endParaRPr lang="fr-FR"/>
           </a:p>
@@ -1227,6 +1398,7 @@
           <a:p>
             <a:fld id="{5FD889E0-CAB2-4699-909D-B9A88D47ACBE}" type="slidenum">
               <a:rPr lang="en-US" smtClean="0"/>
+              <a:pPr/>
               <a:t>‹N°›</a:t>
             </a:fld>
             <a:endParaRPr lang="en-US"/>
@@ -1385,7 +1557,8 @@
           <a:p>
             <a:fld id="{268AA955-8B04-894F-8FDF-A5E12E980EDC}" type="datetime1">
               <a:rPr lang="fr-FR" smtClean="0"/>
-              <a:t>01/12/2014</a:t>
+              <a:pPr/>
+              <a:t>06/12/2014</a:t>
             </a:fld>
             <a:endParaRPr lang="fr-FR"/>
           </a:p>
@@ -1431,6 +1604,7 @@
           <a:p>
             <a:fld id="{9B8334CA-52B9-8B4B-AA0F-E9B48CBEA1E4}" type="slidenum">
               <a:rPr lang="fr-FR" smtClean="0"/>
+              <a:pPr/>
               <a:t>‹N°›</a:t>
             </a:fld>
             <a:endParaRPr lang="fr-FR"/>
@@ -1564,7 +1738,8 @@
           <a:p>
             <a:fld id="{FDC97532-5F56-764F-9C75-F53758D5A21E}" type="datetime1">
               <a:rPr lang="fr-FR" smtClean="0"/>
-              <a:t>01/12/2014</a:t>
+              <a:pPr/>
+              <a:t>06/12/2014</a:t>
             </a:fld>
             <a:endParaRPr lang="fr-FR"/>
           </a:p>
@@ -1610,6 +1785,7 @@
           <a:p>
             <a:fld id="{9B8334CA-52B9-8B4B-AA0F-E9B48CBEA1E4}" type="slidenum">
               <a:rPr lang="fr-FR" smtClean="0"/>
+              <a:pPr/>
               <a:t>‹N°›</a:t>
             </a:fld>
             <a:endParaRPr lang="fr-FR"/>
@@ -1759,7 +1935,8 @@
           <a:p>
             <a:fld id="{EC050341-9FD1-4D41-897E-C16A13D412D6}" type="datetime1">
               <a:rPr lang="fr-FR" smtClean="0"/>
-              <a:t>01/12/2014</a:t>
+              <a:pPr/>
+              <a:t>06/12/2014</a:t>
             </a:fld>
             <a:endParaRPr lang="fr-FR"/>
           </a:p>
@@ -1805,6 +1982,7 @@
           <a:p>
             <a:fld id="{9B8334CA-52B9-8B4B-AA0F-E9B48CBEA1E4}" type="slidenum">
               <a:rPr lang="fr-FR" smtClean="0"/>
+              <a:pPr/>
               <a:t>‹N°›</a:t>
             </a:fld>
             <a:endParaRPr lang="fr-FR"/>
@@ -2018,7 +2196,8 @@
           <a:p>
             <a:fld id="{267F1CD6-E1AD-4847-B8D2-9BC7541D26A9}" type="datetime1">
               <a:rPr lang="fr-FR" smtClean="0"/>
-              <a:t>01/12/2014</a:t>
+              <a:pPr/>
+              <a:t>06/12/2014</a:t>
             </a:fld>
             <a:endParaRPr lang="fr-FR"/>
           </a:p>
@@ -2064,6 +2243,7 @@
           <a:p>
             <a:fld id="{4A822907-8A9D-4F6B-98F6-913902AD56B5}" type="slidenum">
               <a:rPr lang="en-US" smtClean="0"/>
+              <a:pPr/>
               <a:t>‹N°›</a:t>
             </a:fld>
             <a:endParaRPr lang="en-US"/>
@@ -2340,7 +2520,8 @@
           <a:p>
             <a:fld id="{377C4889-60B5-CD4F-97E2-5B317AA429BB}" type="datetime1">
               <a:rPr lang="fr-FR" smtClean="0"/>
-              <a:t>01/12/2014</a:t>
+              <a:pPr/>
+              <a:t>06/12/2014</a:t>
             </a:fld>
             <a:endParaRPr lang="fr-FR"/>
           </a:p>
@@ -2386,6 +2567,7 @@
           <a:p>
             <a:fld id="{9B8334CA-52B9-8B4B-AA0F-E9B48CBEA1E4}" type="slidenum">
               <a:rPr lang="fr-FR" smtClean="0"/>
+              <a:pPr/>
               <a:t>‹N°›</a:t>
             </a:fld>
             <a:endParaRPr lang="fr-FR"/>
@@ -2810,7 +2992,8 @@
           <a:p>
             <a:fld id="{0FA1CA9B-4F70-864C-920B-92AD8DFE7583}" type="datetime1">
               <a:rPr lang="fr-FR" smtClean="0"/>
-              <a:t>01/12/2014</a:t>
+              <a:pPr/>
+              <a:t>06/12/2014</a:t>
             </a:fld>
             <a:endParaRPr lang="fr-FR"/>
           </a:p>
@@ -2856,6 +3039,7 @@
           <a:p>
             <a:fld id="{9B8334CA-52B9-8B4B-AA0F-E9B48CBEA1E4}" type="slidenum">
               <a:rPr lang="fr-FR" smtClean="0"/>
+              <a:pPr/>
               <a:t>‹N°›</a:t>
             </a:fld>
             <a:endParaRPr lang="fr-FR"/>
@@ -2962,7 +3146,8 @@
           <a:p>
             <a:fld id="{4F2CC383-4EE0-2241-AEE6-2AAA6580B403}" type="datetime1">
               <a:rPr lang="fr-FR" smtClean="0"/>
-              <a:t>01/12/2014</a:t>
+              <a:pPr/>
+              <a:t>06/12/2014</a:t>
             </a:fld>
             <a:endParaRPr lang="fr-FR"/>
           </a:p>
@@ -3008,6 +3193,7 @@
           <a:p>
             <a:fld id="{9B8334CA-52B9-8B4B-AA0F-E9B48CBEA1E4}" type="slidenum">
               <a:rPr lang="fr-FR" smtClean="0"/>
+              <a:pPr/>
               <a:t>‹N°›</a:t>
             </a:fld>
             <a:endParaRPr lang="fr-FR"/>
@@ -3056,7 +3242,8 @@
           <a:p>
             <a:fld id="{3F29AFFA-2E38-E240-9E76-4B3B98489A6D}" type="datetime1">
               <a:rPr lang="fr-FR" smtClean="0"/>
-              <a:t>01/12/2014</a:t>
+              <a:pPr/>
+              <a:t>06/12/2014</a:t>
             </a:fld>
             <a:endParaRPr lang="fr-FR"/>
           </a:p>
@@ -3102,6 +3289,7 @@
           <a:p>
             <a:fld id="{9B8334CA-52B9-8B4B-AA0F-E9B48CBEA1E4}" type="slidenum">
               <a:rPr lang="fr-FR" smtClean="0"/>
+              <a:pPr/>
               <a:t>‹N°›</a:t>
             </a:fld>
             <a:endParaRPr lang="fr-FR"/>
@@ -3334,7 +3522,8 @@
           <a:p>
             <a:fld id="{BC66C2F2-1133-B742-8E81-ACE648734598}" type="datetime1">
               <a:rPr lang="fr-FR" smtClean="0"/>
-              <a:t>01/12/2014</a:t>
+              <a:pPr/>
+              <a:t>06/12/2014</a:t>
             </a:fld>
             <a:endParaRPr lang="fr-FR"/>
           </a:p>
@@ -3380,6 +3569,7 @@
           <a:p>
             <a:fld id="{7F5CE407-6216-4202-80E4-A30DC2F709B2}" type="slidenum">
               <a:rPr lang="en-US" smtClean="0"/>
+              <a:pPr/>
               <a:t>‹N°›</a:t>
             </a:fld>
             <a:endParaRPr lang="en-US"/>
@@ -3643,7 +3833,8 @@
           <a:p>
             <a:fld id="{7312FBEE-7E81-E746-8617-1B9234528FDD}" type="datetime1">
               <a:rPr lang="fr-FR" smtClean="0"/>
-              <a:t>01/12/2014</a:t>
+              <a:pPr/>
+              <a:t>06/12/2014</a:t>
             </a:fld>
             <a:endParaRPr lang="fr-FR"/>
           </a:p>
@@ -3689,6 +3880,7 @@
           <a:p>
             <a:fld id="{9B8334CA-52B9-8B4B-AA0F-E9B48CBEA1E4}" type="slidenum">
               <a:rPr lang="fr-FR" smtClean="0"/>
+              <a:pPr/>
               <a:t>‹N°›</a:t>
             </a:fld>
             <a:endParaRPr lang="fr-FR"/>
@@ -3945,7 +4137,8 @@
           <a:p>
             <a:fld id="{B90A4B7D-106F-C147-BCBF-57A394B22041}" type="datetime1">
               <a:rPr lang="fr-FR" smtClean="0"/>
-              <a:t>01/12/2014</a:t>
+              <a:pPr/>
+              <a:t>06/12/2014</a:t>
             </a:fld>
             <a:endParaRPr lang="fr-FR"/>
           </a:p>
@@ -4023,6 +4216,7 @@
           <a:p>
             <a:fld id="{9B8334CA-52B9-8B4B-AA0F-E9B48CBEA1E4}" type="slidenum">
               <a:rPr lang="fr-FR" smtClean="0"/>
+              <a:pPr/>
               <a:t>‹N°›</a:t>
             </a:fld>
             <a:endParaRPr lang="fr-FR"/>
@@ -4373,15 +4567,7 @@
           <a:p>
             <a:r>
               <a:rPr lang="fr-FR" sz="4000" dirty="0" smtClean="0"/>
-              <a:t>Algorithmique Niveau </a:t>
-            </a:r>
-            <a:r>
-              <a:rPr lang="fr-FR" sz="4000" dirty="0" smtClean="0"/>
-              <a:t>2</a:t>
-            </a:r>
-            <a:r>
-              <a:rPr lang="fr-FR" sz="4000" dirty="0" smtClean="0"/>
-              <a:t/>
+              <a:t>Algorithmique Niveau 2</a:t>
             </a:r>
             <a:br>
               <a:rPr lang="fr-FR" sz="4000" dirty="0" smtClean="0"/>
@@ -4408,7 +4594,7 @@
         </p:spPr>
         <p:txBody>
           <a:bodyPr>
-            <a:normAutofit fontScale="85000" lnSpcReduction="20000"/>
+            <a:normAutofit fontScale="62500" lnSpcReduction="20000"/>
           </a:bodyPr>
           <a:lstStyle/>
           <a:p>
@@ -4416,7 +4602,6 @@
               <a:rPr lang="fr-FR" dirty="0" smtClean="0"/>
               <a:t>ALGO2</a:t>
             </a:r>
-            <a:endParaRPr lang="fr-FR" dirty="0" smtClean="0"/>
           </a:p>
           <a:p>
             <a:endParaRPr lang="fr-FR" dirty="0" smtClean="0"/>
@@ -4433,7 +4618,28 @@
           <a:p>
             <a:r>
               <a:rPr lang="fr-FR" dirty="0" smtClean="0"/>
-              <a:t>Utilisation simple et utilisation avancée des listes à travers : </a:t>
+              <a:t>Implémentation de types composites</a:t>
+            </a:r>
+          </a:p>
+          <a:p>
+            <a:endParaRPr lang="fr-FR" dirty="0" smtClean="0"/>
+          </a:p>
+          <a:p>
+            <a:r>
+              <a:rPr lang="fr-FR" dirty="0" smtClean="0"/>
+              <a:t>Utilisation </a:t>
+            </a:r>
+            <a:r>
+              <a:rPr lang="fr-FR" dirty="0" smtClean="0"/>
+              <a:t>simple et utilisation avancée des listes </a:t>
+            </a:r>
+            <a:r>
+              <a:rPr lang="fr-FR" dirty="0" smtClean="0"/>
+              <a:t>au </a:t>
+            </a:r>
+            <a:r>
+              <a:rPr lang="fr-FR" dirty="0" smtClean="0"/>
+              <a:t>travers : </a:t>
             </a:r>
           </a:p>
           <a:p>
@@ -4443,8 +4649,13 @@
             </a:pPr>
             <a:r>
               <a:rPr lang="fr-FR" dirty="0" smtClean="0"/>
-              <a:t>Les tris </a:t>
-            </a:r>
+              <a:t>d</a:t>
+            </a:r>
+            <a:r>
+              <a:rPr lang="fr-FR" dirty="0" smtClean="0"/>
+              <a:t>es algorithmes de tri</a:t>
+            </a:r>
+            <a:endParaRPr lang="fr-FR" dirty="0" smtClean="0"/>
           </a:p>
           <a:p>
             <a:pPr marL="342900" indent="-342900">
@@ -4453,17 +4664,23 @@
             </a:pPr>
             <a:r>
               <a:rPr lang="fr-FR" dirty="0" smtClean="0"/>
-              <a:t>Les files</a:t>
-            </a:r>
-          </a:p>
-          <a:p>
-            <a:pPr marL="342900" indent="-342900">
-              <a:buFont typeface="Arial" panose="020B0604020202020204" pitchFamily="34" charset="0"/>
-              <a:buChar char="•"/>
-            </a:pPr>
+              <a:t>des piles et des files</a:t>
+            </a:r>
+            <a:endParaRPr lang="fr-FR" dirty="0" smtClean="0"/>
+          </a:p>
+          <a:p>
+            <a:pPr marL="342900" indent="-342900"/>
+            <a:endParaRPr lang="fr-FR" dirty="0" smtClean="0"/>
+          </a:p>
+          <a:p>
+            <a:pPr marL="342900" indent="-342900"/>
             <a:r>
               <a:rPr lang="fr-FR" dirty="0" smtClean="0"/>
-              <a:t>Les arbres</a:t>
+              <a:t>Les </a:t>
+            </a:r>
+            <a:r>
+              <a:rPr lang="fr-FR" dirty="0" smtClean="0"/>
+              <a:t>arbres</a:t>
             </a:r>
           </a:p>
           <a:p>
@@ -4472,7 +4689,11 @@
           <a:p>
             <a:r>
               <a:rPr lang="fr-FR" dirty="0" smtClean="0"/>
-              <a:t>Exemples d’applications et applications pédagogiques.</a:t>
+              <a:t>Exemples </a:t>
+            </a:r>
+            <a:r>
+              <a:rPr lang="fr-FR" dirty="0" smtClean="0"/>
+              <a:t>d’application</a:t>
             </a:r>
             <a:endParaRPr lang="fr-FR" dirty="0"/>
           </a:p>
@@ -4513,7 +4734,7 @@
           <a:blip r:embed="rId3">
             <a:extLst>
               <a:ext uri="{28A0092B-C50C-407E-A947-70E740481C1C}">
-                <a14:useLocalDpi xmlns:a14="http://schemas.microsoft.com/office/drawing/2010/main" val="0"/>
+                <a14:useLocalDpi xmlns:a14="http://schemas.microsoft.com/office/drawing/2010/main" xmlns="" val="0"/>
               </a:ext>
             </a:extLst>
           </a:blip>
@@ -4524,7 +4745,7 @@
         </p:blipFill>
         <p:spPr bwMode="auto">
           <a:xfrm>
-            <a:off x="7741993" y="6426447"/>
+            <a:off x="7713417" y="6412159"/>
             <a:ext cx="1397244" cy="393342"/>
           </a:xfrm>
           <a:prstGeom prst="rect">
@@ -4537,14 +4758,14 @@
           <a:effectLst/>
           <a:extLst>
             <a:ext uri="{909E8E84-426E-40DD-AFC4-6F175D3DCCD1}">
-              <a14:hiddenFill xmlns:a14="http://schemas.microsoft.com/office/drawing/2010/main">
+              <a14:hiddenFill xmlns:a14="http://schemas.microsoft.com/office/drawing/2010/main" xmlns="">
                 <a:solidFill>
                   <a:schemeClr val="accent1"/>
                 </a:solidFill>
               </a14:hiddenFill>
             </a:ext>
             <a:ext uri="{91240B29-F687-4F45-9708-019B960494DF}">
-              <a14:hiddenLine xmlns:a14="http://schemas.microsoft.com/office/drawing/2010/main" w="9525">
+              <a14:hiddenLine xmlns:a14="http://schemas.microsoft.com/office/drawing/2010/main" xmlns="" w="9525">
                 <a:solidFill>
                   <a:schemeClr val="tx1"/>
                 </a:solidFill>
@@ -4554,7 +4775,7 @@
               </a14:hiddenLine>
             </a:ext>
             <a:ext uri="{AF507438-7753-43E0-B8FC-AC1667EBCBE1}">
-              <a14:hiddenEffects xmlns:a14="http://schemas.microsoft.com/office/drawing/2010/main">
+              <a14:hiddenEffects xmlns:a14="http://schemas.microsoft.com/office/drawing/2010/main" xmlns="">
                 <a:effectLst>
                   <a:outerShdw dist="35921" dir="2700000" algn="ctr" rotWithShape="0">
                     <a:schemeClr val="bg2"/>
@@ -4565,22 +4786,84 @@
           </a:extLst>
         </p:spPr>
       </p:pic>
+      <p:pic>
+        <p:nvPicPr>
+          <p:cNvPr id="2050" name="Picture 2"/>
+          <p:cNvPicPr>
+            <a:picLocks noChangeAspect="1" noChangeArrowheads="1"/>
+          </p:cNvPicPr>
+          <p:nvPr/>
+        </p:nvPicPr>
+        <p:blipFill>
+          <a:blip r:embed="rId4"/>
+          <a:srcRect/>
+          <a:stretch>
+            <a:fillRect/>
+          </a:stretch>
+        </p:blipFill>
+        <p:spPr bwMode="auto">
+          <a:xfrm>
+            <a:off x="5455802" y="4710001"/>
+            <a:ext cx="1689100" cy="2095500"/>
+          </a:xfrm>
+          <a:prstGeom prst="rect">
+            <a:avLst/>
+          </a:prstGeom>
+          <a:noFill/>
+          <a:ln w="9525">
+            <a:noFill/>
+            <a:miter lim="800000"/>
+            <a:headEnd/>
+            <a:tailEnd/>
+          </a:ln>
+        </p:spPr>
+      </p:pic>
+      <p:pic>
+        <p:nvPicPr>
+          <p:cNvPr id="9" name="Image 8" descr="http://www.swiftofficenotes.com/wp-content/uploads/2012/06/pile_of_folders_small_clr.png"/>
+          <p:cNvPicPr/>
+          <p:nvPr/>
+        </p:nvPicPr>
+        <p:blipFill>
+          <a:blip r:embed="rId5" cstate="print"/>
+          <a:srcRect/>
+          <a:stretch>
+            <a:fillRect/>
+          </a:stretch>
+        </p:blipFill>
+        <p:spPr bwMode="auto">
+          <a:xfrm>
+            <a:off x="5881254" y="3934146"/>
+            <a:ext cx="831273" cy="775855"/>
+          </a:xfrm>
+          <a:prstGeom prst="rect">
+            <a:avLst/>
+          </a:prstGeom>
+          <a:noFill/>
+          <a:ln w="9525">
+            <a:noFill/>
+            <a:miter lim="800000"/>
+            <a:headEnd/>
+            <a:tailEnd/>
+          </a:ln>
+        </p:spPr>
+      </p:pic>
     </p:spTree>
     <p:extLst>
       <p:ext uri="{BB962C8B-B14F-4D97-AF65-F5344CB8AC3E}">
-        <p14:creationId xmlns:p14="http://schemas.microsoft.com/office/powerpoint/2010/main" val="3037635492"/>
+        <p14:creationId xmlns:p14="http://schemas.microsoft.com/office/powerpoint/2010/main" xmlns="" val="3037635492"/>
       </p:ext>
     </p:extLst>
   </p:cSld>
   <p:clrMapOvr>
     <a:masterClrMapping/>
   </p:clrMapOvr>
-  <mc:AlternateContent xmlns:mc="http://schemas.openxmlformats.org/markup-compatibility/2006" xmlns:p14="http://schemas.microsoft.com/office/powerpoint/2010/main">
-    <mc:Choice Requires="p14">
+  <mc:AlternateContent xmlns:mc="http://schemas.openxmlformats.org/markup-compatibility/2006">
+    <mc:Choice xmlns:p14="http://schemas.microsoft.com/office/powerpoint/2010/main" xmlns="" Requires="p14">
       <p:transition spd="slow" p14:dur="2000"/>
     </mc:Choice>
-    <mc:Fallback xmlns="">
-      <p:transition xmlns:p14="http://schemas.microsoft.com/office/powerpoint/2010/main" spd="slow"/>
+    <mc:Fallback>
+      <p:transition spd="slow"/>
     </mc:Fallback>
   </mc:AlternateContent>
   <p:timing>
@@ -4625,7 +4908,7 @@
         </p:blipFill>
         <p:spPr bwMode="auto">
           <a:xfrm>
-            <a:off x="6517640" y="3308911"/>
+            <a:off x="5660072" y="4886331"/>
             <a:ext cx="2626360" cy="1036320"/>
           </a:xfrm>
           <a:prstGeom prst="rect">
@@ -4675,13 +4958,13 @@
         </p:nvSpPr>
         <p:spPr>
           <a:xfrm>
-            <a:off x="650635" y="1600200"/>
-            <a:ext cx="5310554" cy="4876800"/>
+            <a:off x="650635" y="1757368"/>
+            <a:ext cx="5310554" cy="3128963"/>
           </a:xfrm>
         </p:spPr>
         <p:txBody>
           <a:bodyPr>
-            <a:normAutofit fontScale="92500" lnSpcReduction="10000"/>
+            <a:normAutofit/>
           </a:bodyPr>
           <a:lstStyle/>
           <a:p>
@@ -4706,53 +4989,36 @@
           <a:p>
             <a:r>
               <a:rPr lang="fr-FR" dirty="0" smtClean="0"/>
-              <a:t>Gestion des files</a:t>
-            </a:r>
+              <a:t>Gestion des </a:t>
+            </a:r>
+            <a:r>
+              <a:rPr lang="fr-FR" dirty="0" smtClean="0"/>
+              <a:t>piles et files</a:t>
+            </a:r>
+            <a:endParaRPr lang="fr-FR" dirty="0" smtClean="0"/>
           </a:p>
           <a:p>
             <a:pPr lvl="1"/>
             <a:r>
               <a:rPr lang="fr-FR" dirty="0" smtClean="0"/>
-              <a:t>Exemple d’utilisation : gestion de données arrivant et sortant en continu dans une liste</a:t>
+              <a:t>Exemple d’utilisation : gestion </a:t>
+            </a:r>
+            <a:r>
+              <a:rPr lang="fr-FR" dirty="0" smtClean="0"/>
+              <a:t>du flux de données </a:t>
+            </a:r>
+            <a:r>
+              <a:rPr lang="fr-FR" dirty="0" smtClean="0"/>
+              <a:t>arrivant et </a:t>
+            </a:r>
+            <a:r>
+              <a:rPr lang="fr-FR" dirty="0" smtClean="0"/>
+              <a:t>sortant</a:t>
             </a:r>
             <a:endParaRPr lang="fr-FR" dirty="0"/>
           </a:p>
           <a:p>
             <a:endParaRPr lang="fr-FR" dirty="0" smtClean="0"/>
-          </a:p>
-          <a:p>
-            <a:r>
-              <a:rPr lang="fr-FR" dirty="0" smtClean="0"/>
-              <a:t>Arbres</a:t>
-            </a:r>
-          </a:p>
-          <a:p>
-            <a:pPr lvl="1"/>
-            <a:r>
-              <a:rPr lang="fr-FR" dirty="0" smtClean="0"/>
-              <a:t>Exemples d’utilisation :</a:t>
-            </a:r>
-          </a:p>
-          <a:p>
-            <a:pPr lvl="2"/>
-            <a:r>
-              <a:rPr lang="fr-FR" dirty="0" smtClean="0"/>
-              <a:t>Algorithmes de plus courts chemins</a:t>
-            </a:r>
-          </a:p>
-          <a:p>
-            <a:pPr lvl="2"/>
-            <a:r>
-              <a:rPr lang="fr-FR" dirty="0" smtClean="0"/>
-              <a:t>Stockage avancé de données</a:t>
-            </a:r>
-          </a:p>
-          <a:p>
-            <a:pPr lvl="2"/>
-            <a:r>
-              <a:rPr lang="fr-FR" dirty="0" smtClean="0"/>
-              <a:t>Compression</a:t>
-            </a:r>
           </a:p>
           <a:p>
             <a:endParaRPr lang="fr-FR" dirty="0"/>
@@ -4800,7 +5066,7 @@
           <a:blip r:embed="rId4">
             <a:extLst>
               <a:ext uri="{28A0092B-C50C-407E-A947-70E740481C1C}">
-                <a14:useLocalDpi xmlns:a14="http://schemas.microsoft.com/office/drawing/2010/main" val="0"/>
+                <a14:useLocalDpi xmlns:a14="http://schemas.microsoft.com/office/drawing/2010/main" xmlns="" val="0"/>
               </a:ext>
             </a:extLst>
           </a:blip>
@@ -4811,7 +5077,7 @@
         </p:blipFill>
         <p:spPr bwMode="auto">
           <a:xfrm>
-            <a:off x="5767754" y="979537"/>
+            <a:off x="5646853" y="1975668"/>
             <a:ext cx="3423738" cy="1992263"/>
           </a:xfrm>
           <a:prstGeom prst="rect">
@@ -4820,7 +5086,7 @@
           <a:noFill/>
           <a:extLst>
             <a:ext uri="{909E8E84-426E-40DD-AFC4-6F175D3DCCD1}">
-              <a14:hiddenFill xmlns:a14="http://schemas.microsoft.com/office/drawing/2010/main">
+              <a14:hiddenFill xmlns:a14="http://schemas.microsoft.com/office/drawing/2010/main" xmlns="">
                 <a:solidFill>
                   <a:srgbClr val="FFFFFF"/>
                 </a:solidFill>
@@ -4844,7 +5110,7 @@
         </p:blipFill>
         <p:spPr bwMode="auto">
           <a:xfrm>
-            <a:off x="8286432" y="3226141"/>
+            <a:off x="5961189" y="4257675"/>
             <a:ext cx="800735" cy="343535"/>
           </a:xfrm>
           <a:prstGeom prst="rect">
@@ -4874,7 +5140,7 @@
         </p:blipFill>
         <p:spPr bwMode="auto">
           <a:xfrm>
-            <a:off x="5520970" y="3445436"/>
+            <a:off x="4663402" y="5022856"/>
             <a:ext cx="1186815" cy="763270"/>
           </a:xfrm>
           <a:prstGeom prst="rect">
@@ -4889,100 +5155,6 @@
           </a:ln>
         </p:spPr>
       </p:pic>
-      <p:pic>
-        <p:nvPicPr>
-          <p:cNvPr id="1028" name="Picture 4" descr="http://upload.wikimedia.org/wikipedia/commons/thumb/8/82/Huffman_tree_2.svg/625px-Huffman_tree_2.svg.png"/>
-          <p:cNvPicPr>
-            <a:picLocks noChangeAspect="1" noChangeArrowheads="1"/>
-          </p:cNvPicPr>
-          <p:nvPr/>
-        </p:nvPicPr>
-        <p:blipFill>
-          <a:blip r:embed="rId7">
-            <a:extLst>
-              <a:ext uri="{28A0092B-C50C-407E-A947-70E740481C1C}">
-                <a14:useLocalDpi xmlns:a14="http://schemas.microsoft.com/office/drawing/2010/main" val="0"/>
-              </a:ext>
-            </a:extLst>
-          </a:blip>
-          <a:srcRect/>
-          <a:stretch>
-            <a:fillRect/>
-          </a:stretch>
-        </p:blipFill>
-        <p:spPr bwMode="auto">
-          <a:xfrm>
-            <a:off x="5767754" y="4345231"/>
-            <a:ext cx="2976562" cy="1914525"/>
-          </a:xfrm>
-          <a:prstGeom prst="rect">
-            <a:avLst/>
-          </a:prstGeom>
-          <a:noFill/>
-          <a:extLst>
-            <a:ext uri="{909E8E84-426E-40DD-AFC4-6F175D3DCCD1}">
-              <a14:hiddenFill xmlns:a14="http://schemas.microsoft.com/office/drawing/2010/main">
-                <a:solidFill>
-                  <a:srgbClr val="FFFFFF"/>
-                </a:solidFill>
-              </a14:hiddenFill>
-            </a:ext>
-          </a:extLst>
-        </p:spPr>
-      </p:pic>
-      <p:sp>
-        <p:nvSpPr>
-          <p:cNvPr id="5" name="Rectangle 4"/>
-          <p:cNvSpPr/>
-          <p:nvPr/>
-        </p:nvSpPr>
-        <p:spPr>
-          <a:xfrm>
-            <a:off x="5597568" y="6477000"/>
-            <a:ext cx="3316934" cy="307777"/>
-          </a:xfrm>
-          <a:prstGeom prst="rect">
-            <a:avLst/>
-          </a:prstGeom>
-        </p:spPr>
-        <p:txBody>
-          <a:bodyPr wrap="none">
-            <a:spAutoFit/>
-          </a:bodyPr>
-          <a:lstStyle/>
-          <a:p>
-            <a:r>
-              <a:rPr lang="en-US" sz="1400" i="1" dirty="0"/>
-              <a:t>« </a:t>
-            </a:r>
-            <a:r>
-              <a:rPr lang="en-US" sz="1400" i="1" dirty="0" smtClean="0"/>
-              <a:t>this </a:t>
-            </a:r>
-            <a:r>
-              <a:rPr lang="en-US" sz="1400" i="1" dirty="0"/>
-              <a:t>is an example of a </a:t>
-            </a:r>
-            <a:r>
-              <a:rPr lang="en-US" sz="1400" i="1" dirty="0" err="1"/>
-              <a:t>huffman</a:t>
-            </a:r>
-            <a:r>
-              <a:rPr lang="en-US" sz="1400" i="1" dirty="0"/>
-              <a:t> </a:t>
-            </a:r>
-            <a:r>
-              <a:rPr lang="en-US" sz="1400" i="1" dirty="0" smtClean="0"/>
-              <a:t>tree</a:t>
-            </a:r>
-            <a:r>
-              <a:rPr lang="en-US" sz="1400" i="1" dirty="0"/>
-              <a:t> »</a:t>
-            </a:r>
-            <a:endParaRPr lang="fr-FR" sz="1400" i="1" dirty="0"/>
-          </a:p>
-        </p:txBody>
-      </p:sp>
       <p:sp>
         <p:nvSpPr>
           <p:cNvPr id="10" name="Double flèche horizontale 9"/>
@@ -4991,8 +5163,8 @@
         </p:nvSpPr>
         <p:spPr>
           <a:xfrm rot="16200000">
-            <a:off x="-1808407" y="3443780"/>
-            <a:ext cx="4466494" cy="779336"/>
+            <a:off x="-1139641" y="2932182"/>
+            <a:ext cx="3128962" cy="779336"/>
           </a:xfrm>
           <a:prstGeom prst="leftRightArrow">
             <a:avLst/>
@@ -5043,21 +5215,13 @@
               </a:rPr>
               <a:t>Complexité algorithmique</a:t>
             </a:r>
-            <a:endParaRPr lang="fr-FR" b="1" dirty="0">
-              <a:solidFill>
-                <a:schemeClr val="accent6">
-                  <a:lumMod val="75000"/>
-                </a:schemeClr>
-              </a:solidFill>
-              <a:latin typeface="Calibri" panose="020F0502020204030204" pitchFamily="34" charset="0"/>
-            </a:endParaRPr>
           </a:p>
         </p:txBody>
       </p:sp>
     </p:spTree>
     <p:extLst>
       <p:ext uri="{BB962C8B-B14F-4D97-AF65-F5344CB8AC3E}">
-        <p14:creationId xmlns:p14="http://schemas.microsoft.com/office/powerpoint/2010/main" val="2295113452"/>
+        <p14:creationId xmlns:p14="http://schemas.microsoft.com/office/powerpoint/2010/main" xmlns="" val="2295113452"/>
       </p:ext>
     </p:extLst>
   </p:cSld>
@@ -5101,6 +5265,369 @@
           <a:p>
             <a:r>
               <a:rPr lang="fr-FR" dirty="0" smtClean="0"/>
+              <a:t>Les arbres</a:t>
+            </a:r>
+            <a:endParaRPr lang="fr-FR" dirty="0"/>
+          </a:p>
+        </p:txBody>
+      </p:sp>
+      <p:sp>
+        <p:nvSpPr>
+          <p:cNvPr id="3" name="Espace réservé du contenu 2"/>
+          <p:cNvSpPr>
+            <a:spLocks noGrp="1"/>
+          </p:cNvSpPr>
+          <p:nvPr>
+            <p:ph idx="1"/>
+          </p:nvPr>
+        </p:nvSpPr>
+        <p:spPr>
+          <a:xfrm>
+            <a:off x="614368" y="1700216"/>
+            <a:ext cx="4714875" cy="4876800"/>
+          </a:xfrm>
+        </p:spPr>
+        <p:txBody>
+          <a:bodyPr/>
+          <a:lstStyle/>
+          <a:p>
+            <a:r>
+              <a:rPr lang="fr-FR" dirty="0" smtClean="0"/>
+              <a:t>Définitions</a:t>
+            </a:r>
+          </a:p>
+          <a:p>
+            <a:pPr lvl="1"/>
+            <a:r>
+              <a:rPr lang="fr-FR" dirty="0" smtClean="0"/>
+              <a:t>Arbres n-aires</a:t>
+            </a:r>
+          </a:p>
+          <a:p>
+            <a:pPr lvl="1"/>
+            <a:r>
+              <a:rPr lang="fr-FR" dirty="0" smtClean="0"/>
+              <a:t>Arbres </a:t>
+            </a:r>
+            <a:r>
+              <a:rPr lang="fr-FR" dirty="0" smtClean="0"/>
+              <a:t>binaires</a:t>
+            </a:r>
+          </a:p>
+          <a:p>
+            <a:pPr lvl="1"/>
+            <a:r>
+              <a:rPr lang="fr-FR" dirty="0" smtClean="0"/>
+              <a:t>Arbres binaires </a:t>
+            </a:r>
+            <a:r>
+              <a:rPr lang="fr-FR" dirty="0" smtClean="0"/>
+              <a:t>de recherche</a:t>
+            </a:r>
+          </a:p>
+          <a:p>
+            <a:r>
+              <a:rPr lang="fr-FR" dirty="0" smtClean="0"/>
+              <a:t>Exemples d’application</a:t>
+            </a:r>
+          </a:p>
+          <a:p>
+            <a:pPr lvl="1"/>
+            <a:r>
+              <a:rPr lang="fr-FR" dirty="0" smtClean="0"/>
+              <a:t>Recherche </a:t>
+            </a:r>
+            <a:r>
+              <a:rPr lang="fr-FR" dirty="0" smtClean="0"/>
+              <a:t>de plus courts </a:t>
+            </a:r>
+            <a:r>
+              <a:rPr lang="fr-FR" dirty="0" smtClean="0"/>
+              <a:t>chemins</a:t>
+            </a:r>
+          </a:p>
+          <a:p>
+            <a:pPr lvl="1"/>
+            <a:r>
+              <a:rPr lang="fr-FR" dirty="0" smtClean="0"/>
+              <a:t>Stockage </a:t>
+            </a:r>
+            <a:r>
+              <a:rPr lang="fr-FR" dirty="0" smtClean="0"/>
+              <a:t>avancé de </a:t>
+            </a:r>
+            <a:r>
+              <a:rPr lang="fr-FR" dirty="0" smtClean="0"/>
+              <a:t>données</a:t>
+            </a:r>
+          </a:p>
+          <a:p>
+            <a:pPr lvl="1"/>
+            <a:r>
+              <a:rPr lang="fr-FR" dirty="0" smtClean="0"/>
+              <a:t>Compression</a:t>
+            </a:r>
+            <a:endParaRPr lang="fr-FR" dirty="0" smtClean="0"/>
+          </a:p>
+          <a:p>
+            <a:endParaRPr lang="fr-FR" dirty="0"/>
+          </a:p>
+        </p:txBody>
+      </p:sp>
+      <p:sp>
+        <p:nvSpPr>
+          <p:cNvPr id="4" name="Espace réservé du pied de page 3"/>
+          <p:cNvSpPr>
+            <a:spLocks noGrp="1"/>
+          </p:cNvSpPr>
+          <p:nvPr>
+            <p:ph type="ftr" sz="quarter" idx="11"/>
+          </p:nvPr>
+        </p:nvSpPr>
+        <p:spPr/>
+        <p:txBody>
+          <a:bodyPr/>
+          <a:lstStyle/>
+          <a:p>
+            <a:r>
+              <a:rPr lang="fr-FR" smtClean="0"/>
+              <a:t>Académie de Nice - PAF 2015</a:t>
+            </a:r>
+            <a:endParaRPr lang="fr-FR"/>
+          </a:p>
+        </p:txBody>
+      </p:sp>
+      <p:pic>
+        <p:nvPicPr>
+          <p:cNvPr id="5" name="Picture 4" descr="http://upload.wikimedia.org/wikipedia/commons/thumb/8/82/Huffman_tree_2.svg/625px-Huffman_tree_2.svg.png"/>
+          <p:cNvPicPr>
+            <a:picLocks noChangeAspect="1" noChangeArrowheads="1"/>
+          </p:cNvPicPr>
+          <p:nvPr/>
+        </p:nvPicPr>
+        <p:blipFill>
+          <a:blip r:embed="rId3">
+            <a:extLst>
+              <a:ext uri="{28A0092B-C50C-407E-A947-70E740481C1C}">
+                <a14:useLocalDpi xmlns:a14="http://schemas.microsoft.com/office/drawing/2010/main" xmlns="" val="0"/>
+              </a:ext>
+            </a:extLst>
+          </a:blip>
+          <a:srcRect/>
+          <a:stretch>
+            <a:fillRect/>
+          </a:stretch>
+        </p:blipFill>
+        <p:spPr bwMode="auto">
+          <a:xfrm>
+            <a:off x="4526173" y="3602306"/>
+            <a:ext cx="3916849" cy="2519318"/>
+          </a:xfrm>
+          <a:prstGeom prst="rect">
+            <a:avLst/>
+          </a:prstGeom>
+          <a:noFill/>
+          <a:extLst>
+            <a:ext uri="{909E8E84-426E-40DD-AFC4-6F175D3DCCD1}">
+              <a14:hiddenFill xmlns:a14="http://schemas.microsoft.com/office/drawing/2010/main" xmlns="">
+                <a:solidFill>
+                  <a:srgbClr val="FFFFFF"/>
+                </a:solidFill>
+              </a14:hiddenFill>
+            </a:ext>
+          </a:extLst>
+        </p:spPr>
+      </p:pic>
+      <p:sp>
+        <p:nvSpPr>
+          <p:cNvPr id="6" name="Rectangle 5"/>
+          <p:cNvSpPr/>
+          <p:nvPr/>
+        </p:nvSpPr>
+        <p:spPr>
+          <a:xfrm>
+            <a:off x="4926056" y="6121624"/>
+            <a:ext cx="3316934" cy="307777"/>
+          </a:xfrm>
+          <a:prstGeom prst="rect">
+            <a:avLst/>
+          </a:prstGeom>
+        </p:spPr>
+        <p:txBody>
+          <a:bodyPr wrap="none">
+            <a:spAutoFit/>
+          </a:bodyPr>
+          <a:lstStyle/>
+          <a:p>
+            <a:r>
+              <a:rPr lang="en-US" sz="1400" i="1" dirty="0"/>
+              <a:t>« </a:t>
+            </a:r>
+            <a:r>
+              <a:rPr lang="en-US" sz="1400" i="1" dirty="0" smtClean="0"/>
+              <a:t>this </a:t>
+            </a:r>
+            <a:r>
+              <a:rPr lang="en-US" sz="1400" i="1" dirty="0"/>
+              <a:t>is an example of a </a:t>
+            </a:r>
+            <a:r>
+              <a:rPr lang="en-US" sz="1400" i="1" dirty="0"/>
+              <a:t>H</a:t>
+            </a:r>
+            <a:r>
+              <a:rPr lang="en-US" sz="1400" i="1" dirty="0" smtClean="0"/>
+              <a:t>uffman </a:t>
+            </a:r>
+            <a:r>
+              <a:rPr lang="en-US" sz="1400" i="1" dirty="0" smtClean="0"/>
+              <a:t>tree</a:t>
+            </a:r>
+            <a:r>
+              <a:rPr lang="en-US" sz="1400" i="1" dirty="0"/>
+              <a:t> »</a:t>
+            </a:r>
+            <a:endParaRPr lang="fr-FR" sz="1400" i="1" dirty="0"/>
+          </a:p>
+        </p:txBody>
+      </p:sp>
+      <p:pic>
+        <p:nvPicPr>
+          <p:cNvPr id="3076" name="Picture 4"/>
+          <p:cNvPicPr>
+            <a:picLocks noChangeAspect="1" noChangeArrowheads="1"/>
+          </p:cNvPicPr>
+          <p:nvPr/>
+        </p:nvPicPr>
+        <p:blipFill>
+          <a:blip r:embed="rId4"/>
+          <a:srcRect/>
+          <a:stretch>
+            <a:fillRect/>
+          </a:stretch>
+        </p:blipFill>
+        <p:spPr bwMode="auto">
+          <a:xfrm>
+            <a:off x="4632131" y="1111941"/>
+            <a:ext cx="3810891" cy="2276052"/>
+          </a:xfrm>
+          <a:prstGeom prst="rect">
+            <a:avLst/>
+          </a:prstGeom>
+          <a:noFill/>
+          <a:ln w="9525">
+            <a:noFill/>
+            <a:miter lim="800000"/>
+            <a:headEnd/>
+            <a:tailEnd/>
+          </a:ln>
+        </p:spPr>
+      </p:pic>
+      <p:sp>
+        <p:nvSpPr>
+          <p:cNvPr id="12" name="Double flèche horizontale 11"/>
+          <p:cNvSpPr/>
+          <p:nvPr/>
+        </p:nvSpPr>
+        <p:spPr>
+          <a:xfrm rot="16200000">
+            <a:off x="-1139641" y="3032198"/>
+            <a:ext cx="3128962" cy="779336"/>
+          </a:xfrm>
+          <a:prstGeom prst="leftRightArrow">
+            <a:avLst/>
+          </a:prstGeom>
+          <a:solidFill>
+            <a:schemeClr val="accent6">
+              <a:lumMod val="20000"/>
+              <a:lumOff val="80000"/>
+            </a:schemeClr>
+          </a:solidFill>
+          <a:ln>
+            <a:solidFill>
+              <a:schemeClr val="accent6">
+                <a:lumMod val="75000"/>
+              </a:schemeClr>
+            </a:solidFill>
+          </a:ln>
+        </p:spPr>
+        <p:style>
+          <a:lnRef idx="2">
+            <a:schemeClr val="accent1">
+              <a:shade val="50000"/>
+            </a:schemeClr>
+          </a:lnRef>
+          <a:fillRef idx="1">
+            <a:schemeClr val="accent1"/>
+          </a:fillRef>
+          <a:effectRef idx="0">
+            <a:schemeClr val="accent1"/>
+          </a:effectRef>
+          <a:fontRef idx="minor">
+            <a:schemeClr val="lt1"/>
+          </a:fontRef>
+        </p:style>
+        <p:txBody>
+          <a:bodyPr rtlCol="0" anchor="ctr"/>
+          <a:lstStyle/>
+          <a:p>
+            <a:pPr algn="ctr"/>
+            <a:r>
+              <a:rPr lang="fr-FR" b="1" dirty="0">
+                <a:solidFill>
+                  <a:schemeClr val="accent6">
+                    <a:lumMod val="75000"/>
+                  </a:schemeClr>
+                </a:solidFill>
+                <a:latin typeface="Calibri" panose="020F0502020204030204" pitchFamily="34" charset="0"/>
+              </a:rPr>
+              <a:t>Complexité algorithmique</a:t>
+            </a:r>
+          </a:p>
+        </p:txBody>
+      </p:sp>
+    </p:spTree>
+  </p:cSld>
+  <p:clrMapOvr>
+    <a:masterClrMapping/>
+  </p:clrMapOvr>
+</p:sld>
+</file>
+
+<file path=ppt/slides/slide4.xml><?xml version="1.0" encoding="utf-8"?>
+<p:sld xmlns:a="http://schemas.openxmlformats.org/drawingml/2006/main" xmlns:r="http://schemas.openxmlformats.org/officeDocument/2006/relationships" xmlns:p="http://schemas.openxmlformats.org/presentationml/2006/main">
+  <p:cSld>
+    <p:spTree>
+      <p:nvGrpSpPr>
+        <p:cNvPr id="1" name=""/>
+        <p:cNvGrpSpPr/>
+        <p:nvPr/>
+      </p:nvGrpSpPr>
+      <p:grpSpPr>
+        <a:xfrm>
+          <a:off x="0" y="0"/>
+          <a:ext cx="0" cy="0"/>
+          <a:chOff x="0" y="0"/>
+          <a:chExt cx="0" cy="0"/>
+        </a:xfrm>
+      </p:grpSpPr>
+      <p:sp>
+        <p:nvSpPr>
+          <p:cNvPr id="2" name="Titre 1"/>
+          <p:cNvSpPr>
+            <a:spLocks noGrp="1"/>
+          </p:cNvSpPr>
+          <p:nvPr>
+            <p:ph type="title"/>
+          </p:nvPr>
+        </p:nvSpPr>
+        <p:spPr/>
+        <p:txBody>
+          <a:bodyPr/>
+          <a:lstStyle/>
+          <a:p>
+            <a:r>
+              <a:rPr lang="fr-FR" dirty="0" smtClean="0"/>
               <a:t>Prérequis</a:t>
             </a:r>
             <a:endParaRPr lang="fr-FR" dirty="0"/>
@@ -5149,8 +5676,25 @@
             <a:pPr lvl="1"/>
             <a:r>
               <a:rPr lang="fr-FR" dirty="0" smtClean="0"/>
-              <a:t>Connaissance de Python et des structures de base</a:t>
-            </a:r>
+              <a:t>Connaissance </a:t>
+            </a:r>
+            <a:r>
+              <a:rPr lang="fr-FR" dirty="0" smtClean="0"/>
+              <a:t>du langage Python </a:t>
+            </a:r>
+            <a:r>
+              <a:rPr lang="fr-FR" dirty="0" smtClean="0"/>
+              <a:t>et des </a:t>
+            </a:r>
+            <a:r>
+              <a:rPr lang="fr-FR" dirty="0" smtClean="0"/>
+              <a:t>types </a:t>
+            </a:r>
+            <a:r>
+              <a:rPr lang="fr-FR" dirty="0" smtClean="0"/>
+              <a:t>simples</a:t>
+            </a:r>
+            <a:endParaRPr lang="fr-FR" dirty="0" smtClean="0"/>
           </a:p>
           <a:p>
             <a:pPr lvl="1"/>
@@ -5158,7 +5702,6 @@
               <a:rPr lang="fr-FR" dirty="0" smtClean="0"/>
               <a:t>Avoir suivi le Niveau 1 éventuellement</a:t>
             </a:r>
-            <a:endParaRPr lang="fr-FR" dirty="0" smtClean="0"/>
           </a:p>
           <a:p>
             <a:r>
@@ -5170,7 +5713,15 @@
             <a:pPr lvl="1"/>
             <a:r>
               <a:rPr lang="fr-FR" dirty="0" smtClean="0"/>
-              <a:t>Dans le cas où le participant voudrait utilisé son ordinateur personnel sont nécessaires :</a:t>
+              <a:t>Dans le cas où le participant voudrait </a:t>
+            </a:r>
+            <a:r>
+              <a:rPr lang="fr-FR" dirty="0" smtClean="0"/>
+              <a:t>utiliser </a:t>
+            </a:r>
+            <a:r>
+              <a:rPr lang="fr-FR" dirty="0" smtClean="0"/>
+              <a:t>son ordinateur personnel sont nécessaires :</a:t>
             </a:r>
           </a:p>
           <a:p>
@@ -5199,11 +5750,7 @@
           <a:p>
             <a:r>
               <a:rPr lang="fr-FR" dirty="0" smtClean="0"/>
-              <a:t>Contacts  </a:t>
-            </a:r>
-            <a:r>
-              <a:rPr lang="fr-FR" dirty="0" smtClean="0"/>
-              <a:t>:</a:t>
+              <a:t>Contacts  :</a:t>
             </a:r>
           </a:p>
           <a:p>
@@ -5271,7 +5818,7 @@
     </p:spTree>
     <p:extLst>
       <p:ext uri="{BB962C8B-B14F-4D97-AF65-F5344CB8AC3E}">
-        <p14:creationId xmlns:p14="http://schemas.microsoft.com/office/powerpoint/2010/main" val="2248875390"/>
+        <p14:creationId xmlns:p14="http://schemas.microsoft.com/office/powerpoint/2010/main" xmlns="" val="2248875390"/>
       </p:ext>
     </p:extLst>
   </p:cSld>
